--- a/PPTs/0001.pptx
+++ b/PPTs/0001.pptx
@@ -6,6 +6,7 @@
   </p:sldMasterIdLst>
   <p:sldIdLst>
     <p:sldId id="256" r:id="rId2"/>
+    <p:sldId id="257" r:id="rId3"/>
   </p:sldIdLst>
   <p:sldSz cx="12192000" cy="6858000"/>
   <p:notesSz cx="6858000" cy="9144000"/>
@@ -3335,8 +3336,8 @@
         </p:nvSpPr>
         <p:spPr>
           <a:xfrm>
-            <a:off x="1459005" y="921124"/>
-            <a:ext cx="9251577" cy="923330"/>
+            <a:off x="1443089" y="378684"/>
+            <a:ext cx="9251577" cy="1015663"/>
           </a:xfrm>
           <a:prstGeom prst="rect">
             <a:avLst/>
@@ -3350,26 +3351,268 @@
           <a:lstStyle/>
           <a:p>
             <a:r>
-              <a:rPr lang="en-US" altLang="zh-CN" dirty="0"/>
+              <a:rPr lang="en-US" altLang="zh-CN" sz="2400" b="1" dirty="0">
+                <a:latin typeface="Alibaba Sans Black" panose="020B0A03020203040204" pitchFamily="34" charset="0"/>
+                <a:cs typeface="Alibaba Sans Black" panose="020B0A03020203040204" pitchFamily="34" charset="0"/>
+              </a:rPr>
               <a:t>Requirement</a:t>
             </a:r>
-          </a:p>
-          <a:p>
+            <a:endParaRPr lang="en-US" altLang="zh-CN" b="1" dirty="0">
+              <a:latin typeface="Alibaba Sans Black" panose="020B0A03020203040204" pitchFamily="34" charset="0"/>
+              <a:cs typeface="Alibaba Sans Black" panose="020B0A03020203040204" pitchFamily="34" charset="0"/>
+            </a:endParaRPr>
+          </a:p>
+          <a:p>
+            <a:endParaRPr lang="en-US" altLang="zh-CN" dirty="0">
+              <a:latin typeface="Alibaba Sans Black" panose="020B0A03020203040204" pitchFamily="34" charset="0"/>
+              <a:cs typeface="Alibaba Sans Black" panose="020B0A03020203040204" pitchFamily="34" charset="0"/>
+            </a:endParaRPr>
+          </a:p>
+          <a:p>
+            <a:r>
+              <a:rPr lang="zh-CN" altLang="en-US" dirty="0">
+                <a:latin typeface="Alibaba Sans Light" panose="020B0303020203040204" pitchFamily="34" charset="0"/>
+                <a:cs typeface="Alibaba Sans Light" panose="020B0303020203040204" pitchFamily="34" charset="0"/>
+              </a:rPr>
+              <a:t>小伙伴用其他建模软件，创造了主角模型，我要导入到</a:t>
+            </a:r>
+            <a:r>
+              <a:rPr lang="en-US" altLang="zh-CN" dirty="0">
+                <a:latin typeface="Alibaba Sans Light" panose="020B0303020203040204" pitchFamily="34" charset="0"/>
+                <a:cs typeface="Alibaba Sans Light" panose="020B0303020203040204" pitchFamily="34" charset="0"/>
+              </a:rPr>
+              <a:t>blender</a:t>
+            </a:r>
+            <a:r>
+              <a:rPr lang="zh-CN" altLang="en-US" dirty="0">
+                <a:latin typeface="Alibaba Sans Light" panose="020B0303020203040204" pitchFamily="34" charset="0"/>
+                <a:cs typeface="Alibaba Sans Light" panose="020B0303020203040204" pitchFamily="34" charset="0"/>
+              </a:rPr>
+              <a:t>并渲染成作品</a:t>
+            </a:r>
+          </a:p>
+        </p:txBody>
+      </p:sp>
+      <p:sp>
+        <p:nvSpPr>
+          <p:cNvPr id="5" name="文本框 4">
+            <a:extLst>
+              <a:ext uri="{FF2B5EF4-FFF2-40B4-BE49-F238E27FC236}">
+                <a16:creationId xmlns:a16="http://schemas.microsoft.com/office/drawing/2014/main" id="{012927B5-70BE-4047-B19F-681DA1D361F7}"/>
+              </a:ext>
+            </a:extLst>
+          </p:cNvPr>
+          <p:cNvSpPr txBox="1"/>
+          <p:nvPr/>
+        </p:nvSpPr>
+        <p:spPr>
+          <a:xfrm>
+            <a:off x="1443089" y="2068151"/>
+            <a:ext cx="10304626" cy="4339650"/>
+          </a:xfrm>
+          <a:prstGeom prst="rect">
+            <a:avLst/>
+          </a:prstGeom>
+          <a:noFill/>
+        </p:spPr>
+        <p:txBody>
+          <a:bodyPr wrap="square" rtlCol="0">
+            <a:spAutoFit/>
+          </a:bodyPr>
+          <a:lstStyle/>
+          <a:p>
+            <a:r>
+              <a:rPr lang="en-US" altLang="zh-CN" sz="2400" dirty="0">
+                <a:latin typeface="Alibaba Sans Black" panose="020B0A03020203040204" pitchFamily="34" charset="0"/>
+                <a:cs typeface="Alibaba Sans Black" panose="020B0A03020203040204" pitchFamily="34" charset="0"/>
+              </a:rPr>
+              <a:t>Solution</a:t>
+            </a:r>
+            <a:endParaRPr lang="en-US" altLang="zh-CN" dirty="0">
+              <a:latin typeface="Alibaba Sans Black" panose="020B0A03020203040204" pitchFamily="34" charset="0"/>
+              <a:cs typeface="Alibaba Sans Black" panose="020B0A03020203040204" pitchFamily="34" charset="0"/>
+            </a:endParaRPr>
+          </a:p>
+          <a:p>
+            <a:endParaRPr lang="en-US" altLang="zh-CN" dirty="0">
+              <a:latin typeface="Alibaba Sans Black" panose="020B0A03020203040204" pitchFamily="34" charset="0"/>
+              <a:cs typeface="Alibaba Sans Black" panose="020B0A03020203040204" pitchFamily="34" charset="0"/>
+            </a:endParaRPr>
+          </a:p>
+          <a:p>
+            <a:r>
+              <a:rPr lang="en-US" altLang="zh-CN" dirty="0">
+                <a:solidFill>
+                  <a:srgbClr val="FF0000"/>
+                </a:solidFill>
+                <a:latin typeface="Alibaba Sans Light" panose="020B0303020203040204" pitchFamily="34" charset="0"/>
+                <a:cs typeface="Alibaba Sans Light" panose="020B0303020203040204" pitchFamily="34" charset="0"/>
+              </a:rPr>
+              <a:t>Points:</a:t>
+            </a:r>
+          </a:p>
+          <a:p>
+            <a:endParaRPr lang="en-US" altLang="zh-CN" dirty="0">
+              <a:latin typeface="Alibaba Sans Light" panose="020B0303020203040204" pitchFamily="34" charset="0"/>
+              <a:cs typeface="Alibaba Sans Light" panose="020B0303020203040204" pitchFamily="34" charset="0"/>
+            </a:endParaRPr>
+          </a:p>
+          <a:p>
+            <a:pPr marL="285750" indent="-285750">
+              <a:buFont typeface="Arial" panose="020B0604020202020204" pitchFamily="34" charset="0"/>
+              <a:buChar char="•"/>
+            </a:pPr>
+            <a:r>
+              <a:rPr lang="en-US" altLang="zh-CN" dirty="0">
+                <a:latin typeface="Alibaba Sans Light" panose="020B0303020203040204" pitchFamily="34" charset="0"/>
+                <a:cs typeface="Alibaba Sans Light" panose="020B0303020203040204" pitchFamily="34" charset="0"/>
+              </a:rPr>
+              <a:t>Pipeline</a:t>
+            </a:r>
+            <a:r>
+              <a:rPr lang="zh-CN" altLang="en-US" dirty="0">
+                <a:latin typeface="Alibaba Sans Light" panose="020B0303020203040204" pitchFamily="34" charset="0"/>
+                <a:cs typeface="Alibaba Sans Light" panose="020B0303020203040204" pitchFamily="34" charset="0"/>
+              </a:rPr>
+              <a:t>中的</a:t>
+            </a:r>
+            <a:r>
+              <a:rPr lang="en-US" altLang="zh-CN" dirty="0" err="1">
+                <a:latin typeface="Alibaba Sans Light" panose="020B0303020203040204" pitchFamily="34" charset="0"/>
+                <a:cs typeface="Alibaba Sans Light" panose="020B0303020203040204" pitchFamily="34" charset="0"/>
+              </a:rPr>
+              <a:t>fbx</a:t>
+            </a:r>
+            <a:r>
+              <a:rPr lang="zh-CN" altLang="en-US" dirty="0">
+                <a:latin typeface="Alibaba Sans Light" panose="020B0303020203040204" pitchFamily="34" charset="0"/>
+                <a:cs typeface="Alibaba Sans Light" panose="020B0303020203040204" pitchFamily="34" charset="0"/>
+              </a:rPr>
+              <a:t>文件格式</a:t>
+            </a:r>
+            <a:endParaRPr lang="en-US" altLang="zh-CN" dirty="0">
+              <a:latin typeface="Alibaba Sans Light" panose="020B0303020203040204" pitchFamily="34" charset="0"/>
+              <a:cs typeface="Alibaba Sans Light" panose="020B0303020203040204" pitchFamily="34" charset="0"/>
+            </a:endParaRPr>
+          </a:p>
+          <a:p>
+            <a:pPr marL="285750" indent="-285750">
+              <a:buFont typeface="Arial" panose="020B0604020202020204" pitchFamily="34" charset="0"/>
+              <a:buChar char="•"/>
+            </a:pPr>
+            <a:r>
+              <a:rPr lang="en-US" altLang="zh-CN" dirty="0">
+                <a:latin typeface="Alibaba Sans Light" panose="020B0303020203040204" pitchFamily="34" charset="0"/>
+                <a:cs typeface="Alibaba Sans Light" panose="020B0303020203040204" pitchFamily="34" charset="0"/>
+              </a:rPr>
+              <a:t>Blender Render</a:t>
+            </a:r>
+            <a:r>
+              <a:rPr lang="zh-CN" altLang="en-US" dirty="0">
+                <a:latin typeface="Alibaba Sans Light" panose="020B0303020203040204" pitchFamily="34" charset="0"/>
+                <a:cs typeface="Alibaba Sans Light" panose="020B0303020203040204" pitchFamily="34" charset="0"/>
+              </a:rPr>
+              <a:t>知识（灯光）</a:t>
+            </a:r>
+            <a:endParaRPr lang="en-US" altLang="zh-CN" dirty="0">
+              <a:latin typeface="Alibaba Sans Light" panose="020B0303020203040204" pitchFamily="34" charset="0"/>
+              <a:cs typeface="Alibaba Sans Light" panose="020B0303020203040204" pitchFamily="34" charset="0"/>
+            </a:endParaRPr>
+          </a:p>
+          <a:p>
+            <a:pPr marL="285750" indent="-285750">
+              <a:buFont typeface="Arial" panose="020B0604020202020204" pitchFamily="34" charset="0"/>
+              <a:buChar char="•"/>
+            </a:pPr>
+            <a:r>
+              <a:rPr lang="en-US" altLang="zh-CN" dirty="0">
+                <a:latin typeface="Alibaba Sans Light" panose="020B0303020203040204" pitchFamily="34" charset="0"/>
+                <a:cs typeface="Alibaba Sans Light" panose="020B0303020203040204" pitchFamily="34" charset="0"/>
+              </a:rPr>
+              <a:t>F3</a:t>
+            </a:r>
+            <a:r>
+              <a:rPr lang="zh-CN" altLang="en-US" dirty="0">
+                <a:latin typeface="Alibaba Sans Light" panose="020B0303020203040204" pitchFamily="34" charset="0"/>
+                <a:cs typeface="Alibaba Sans Light" panose="020B0303020203040204" pitchFamily="34" charset="0"/>
+              </a:rPr>
+              <a:t>快捷键</a:t>
+            </a:r>
+            <a:endParaRPr lang="en-US" altLang="zh-CN" dirty="0">
+              <a:latin typeface="Alibaba Sans Light" panose="020B0303020203040204" pitchFamily="34" charset="0"/>
+              <a:cs typeface="Alibaba Sans Light" panose="020B0303020203040204" pitchFamily="34" charset="0"/>
+            </a:endParaRPr>
+          </a:p>
+          <a:p>
+            <a:endParaRPr lang="en-US" altLang="zh-CN" dirty="0">
+              <a:latin typeface="Alibaba Sans Light" panose="020B0303020203040204" pitchFamily="34" charset="0"/>
+              <a:cs typeface="Alibaba Sans Light" panose="020B0303020203040204" pitchFamily="34" charset="0"/>
+            </a:endParaRPr>
+          </a:p>
+          <a:p>
+            <a:endParaRPr lang="en-US" altLang="zh-CN" dirty="0">
+              <a:latin typeface="Alibaba Sans Light" panose="020B0303020203040204" pitchFamily="34" charset="0"/>
+              <a:cs typeface="Alibaba Sans Light" panose="020B0303020203040204" pitchFamily="34" charset="0"/>
+            </a:endParaRPr>
+          </a:p>
+          <a:p>
+            <a:r>
+              <a:rPr lang="en-US" altLang="zh-CN" dirty="0">
+                <a:solidFill>
+                  <a:srgbClr val="FF0000"/>
+                </a:solidFill>
+                <a:latin typeface="Alibaba Sans Light" panose="020B0303020203040204" pitchFamily="34" charset="0"/>
+                <a:cs typeface="Alibaba Sans Light" panose="020B0303020203040204" pitchFamily="34" charset="0"/>
+              </a:rPr>
+              <a:t>Deep Dive:</a:t>
+            </a:r>
+          </a:p>
+          <a:p>
+            <a:endParaRPr lang="en-US" altLang="zh-CN" dirty="0">
+              <a:latin typeface="Alibaba Sans Light" panose="020B0303020203040204" pitchFamily="34" charset="0"/>
+              <a:cs typeface="Alibaba Sans Light" panose="020B0303020203040204" pitchFamily="34" charset="0"/>
+            </a:endParaRPr>
+          </a:p>
+          <a:p>
+            <a:r>
+              <a:rPr lang="zh-CN" altLang="en-US" dirty="0">
+                <a:latin typeface="Alibaba Sans Light" panose="020B0303020203040204" pitchFamily="34" charset="0"/>
+                <a:cs typeface="Alibaba Sans Light" panose="020B0303020203040204" pitchFamily="34" charset="0"/>
+              </a:rPr>
+              <a:t>理解</a:t>
+            </a:r>
+            <a:r>
+              <a:rPr lang="en-US" altLang="zh-CN" dirty="0" err="1">
+                <a:latin typeface="Alibaba Sans Light" panose="020B0303020203040204" pitchFamily="34" charset="0"/>
+                <a:cs typeface="Alibaba Sans Light" panose="020B0303020203040204" pitchFamily="34" charset="0"/>
+              </a:rPr>
+              <a:t>fbx</a:t>
+            </a:r>
+            <a:endParaRPr lang="en-US" altLang="zh-CN" dirty="0">
+              <a:latin typeface="Alibaba Sans Light" panose="020B0303020203040204" pitchFamily="34" charset="0"/>
+              <a:cs typeface="Alibaba Sans Light" panose="020B0303020203040204" pitchFamily="34" charset="0"/>
+            </a:endParaRPr>
+          </a:p>
+          <a:p>
+            <a:r>
+              <a:rPr lang="en-US" altLang="zh-CN" dirty="0">
+                <a:hlinkClick r:id="rId2"/>
+              </a:rPr>
+              <a:t>https://docs.blender.org/manual/en/dev/addons/import_export/io_scene_fbx.html?highlight=fbx</a:t>
+            </a:r>
             <a:endParaRPr lang="en-US" altLang="zh-CN" dirty="0"/>
           </a:p>
           <a:p>
-            <a:r>
-              <a:rPr lang="zh-CN" altLang="en-US" dirty="0"/>
-              <a:t>小伙伴用其他建模软件，创造了主角模型，我要导入到</a:t>
-            </a:r>
-            <a:r>
-              <a:rPr lang="en-US" altLang="zh-CN" dirty="0"/>
-              <a:t>blender</a:t>
-            </a:r>
-            <a:r>
-              <a:rPr lang="zh-CN" altLang="en-US" dirty="0"/>
-              <a:t>并渲染成作品</a:t>
-            </a:r>
+            <a:endParaRPr lang="en-US" altLang="zh-CN" dirty="0">
+              <a:latin typeface="Alibaba Sans Black" panose="020B0A03020203040204" pitchFamily="34" charset="0"/>
+              <a:cs typeface="Alibaba Sans Black" panose="020B0A03020203040204" pitchFamily="34" charset="0"/>
+            </a:endParaRPr>
+          </a:p>
+          <a:p>
+            <a:endParaRPr lang="zh-CN" altLang="en-US" dirty="0">
+              <a:latin typeface="Alibaba Sans Black" panose="020B0A03020203040204" pitchFamily="34" charset="0"/>
+              <a:cs typeface="Alibaba Sans Black" panose="020B0A03020203040204" pitchFamily="34" charset="0"/>
+            </a:endParaRPr>
           </a:p>
         </p:txBody>
       </p:sp>
@@ -3377,6 +3620,84 @@
     <p:extLst>
       <p:ext uri="{BB962C8B-B14F-4D97-AF65-F5344CB8AC3E}">
         <p14:creationId xmlns:p14="http://schemas.microsoft.com/office/powerpoint/2010/main" val="4426512"/>
+      </p:ext>
+    </p:extLst>
+  </p:cSld>
+  <p:clrMapOvr>
+    <a:masterClrMapping/>
+  </p:clrMapOvr>
+</p:sld>
+</file>
+
+<file path=ppt/slides/slide2.xml><?xml version="1.0" encoding="utf-8"?>
+<p:sld xmlns:a="http://schemas.openxmlformats.org/drawingml/2006/main" xmlns:r="http://schemas.openxmlformats.org/officeDocument/2006/relationships" xmlns:p="http://schemas.openxmlformats.org/presentationml/2006/main">
+  <p:cSld>
+    <p:spTree>
+      <p:nvGrpSpPr>
+        <p:cNvPr id="1" name=""/>
+        <p:cNvGrpSpPr/>
+        <p:nvPr/>
+      </p:nvGrpSpPr>
+      <p:grpSpPr>
+        <a:xfrm>
+          <a:off x="0" y="0"/>
+          <a:ext cx="0" cy="0"/>
+          <a:chOff x="0" y="0"/>
+          <a:chExt cx="0" cy="0"/>
+        </a:xfrm>
+      </p:grpSpPr>
+      <p:sp>
+        <p:nvSpPr>
+          <p:cNvPr id="4" name="文本框 3">
+            <a:extLst>
+              <a:ext uri="{FF2B5EF4-FFF2-40B4-BE49-F238E27FC236}">
+                <a16:creationId xmlns:a16="http://schemas.microsoft.com/office/drawing/2014/main" id="{D8019E18-1A38-4E8F-9514-503EEEA82B79}"/>
+              </a:ext>
+            </a:extLst>
+          </p:cNvPr>
+          <p:cNvSpPr txBox="1"/>
+          <p:nvPr/>
+        </p:nvSpPr>
+        <p:spPr>
+          <a:xfrm>
+            <a:off x="1470211" y="1006517"/>
+            <a:ext cx="9251577" cy="738664"/>
+          </a:xfrm>
+          <a:prstGeom prst="rect">
+            <a:avLst/>
+          </a:prstGeom>
+          <a:noFill/>
+        </p:spPr>
+        <p:txBody>
+          <a:bodyPr wrap="square" rtlCol="0">
+            <a:spAutoFit/>
+          </a:bodyPr>
+          <a:lstStyle/>
+          <a:p>
+            <a:r>
+              <a:rPr lang="en-US" altLang="zh-CN" sz="2400" dirty="0">
+                <a:latin typeface="Alibaba Sans Black" panose="020B0A03020203040204" pitchFamily="34" charset="0"/>
+                <a:cs typeface="Alibaba Sans Black" panose="020B0A03020203040204" pitchFamily="34" charset="0"/>
+              </a:rPr>
+              <a:t>Questions</a:t>
+            </a:r>
+            <a:endParaRPr lang="en-US" altLang="zh-CN" dirty="0">
+              <a:latin typeface="Alibaba Sans Black" panose="020B0A03020203040204" pitchFamily="34" charset="0"/>
+              <a:cs typeface="Alibaba Sans Black" panose="020B0A03020203040204" pitchFamily="34" charset="0"/>
+            </a:endParaRPr>
+          </a:p>
+          <a:p>
+            <a:endParaRPr lang="en-US" altLang="zh-CN" dirty="0">
+              <a:latin typeface="Alibaba Sans Black" panose="020B0A03020203040204" pitchFamily="34" charset="0"/>
+              <a:cs typeface="Alibaba Sans Black" panose="020B0A03020203040204" pitchFamily="34" charset="0"/>
+            </a:endParaRPr>
+          </a:p>
+        </p:txBody>
+      </p:sp>
+    </p:spTree>
+    <p:extLst>
+      <p:ext uri="{BB962C8B-B14F-4D97-AF65-F5344CB8AC3E}">
+        <p14:creationId xmlns:p14="http://schemas.microsoft.com/office/powerpoint/2010/main" val="212900831"/>
       </p:ext>
     </p:extLst>
   </p:cSld>

--- a/PPTs/0001.pptx
+++ b/PPTs/0001.pptx
@@ -5,8 +5,9 @@
     <p:sldMasterId id="2147483648" r:id="rId1"/>
   </p:sldMasterIdLst>
   <p:sldIdLst>
-    <p:sldId id="256" r:id="rId2"/>
-    <p:sldId id="257" r:id="rId3"/>
+    <p:sldId id="258" r:id="rId2"/>
+    <p:sldId id="256" r:id="rId3"/>
+    <p:sldId id="257" r:id="rId4"/>
   </p:sldIdLst>
   <p:sldSz cx="12192000" cy="6858000"/>
   <p:notesSz cx="6858000" cy="9144000"/>
@@ -105,6 +106,11 @@
       </a:defRPr>
     </a:lvl9pPr>
   </p:defaultTextStyle>
+  <p:extLst>
+    <p:ext uri="{EFAFB233-063F-42B5-8137-9DF3F51BA10A}">
+      <p15:sldGuideLst xmlns:p15="http://schemas.microsoft.com/office/powerpoint/2012/main"/>
+    </p:ext>
+  </p:extLst>
 </p:presentation>
 </file>
 
@@ -3322,12 +3328,42 @@
           <a:chExt cx="0" cy="0"/>
         </a:xfrm>
       </p:grpSpPr>
-      <p:sp>
-        <p:nvSpPr>
-          <p:cNvPr id="4" name="文本框 3">
-            <a:extLst>
-              <a:ext uri="{FF2B5EF4-FFF2-40B4-BE49-F238E27FC236}">
-                <a16:creationId xmlns:a16="http://schemas.microsoft.com/office/drawing/2014/main" id="{21CDF921-4702-4818-A137-43908187E083}"/>
+      <p:pic>
+        <p:nvPicPr>
+          <p:cNvPr id="5" name="图片 4">
+            <a:extLst>
+              <a:ext uri="{FF2B5EF4-FFF2-40B4-BE49-F238E27FC236}">
+                <a16:creationId xmlns:a16="http://schemas.microsoft.com/office/drawing/2014/main" id="{360A8BE2-E10C-4B38-ACDD-7A3957AC5913}"/>
+              </a:ext>
+            </a:extLst>
+          </p:cNvPr>
+          <p:cNvPicPr>
+            <a:picLocks noChangeAspect="1"/>
+          </p:cNvPicPr>
+          <p:nvPr/>
+        </p:nvPicPr>
+        <p:blipFill>
+          <a:blip r:embed="rId2"/>
+          <a:stretch>
+            <a:fillRect/>
+          </a:stretch>
+        </p:blipFill>
+        <p:spPr>
+          <a:xfrm>
+            <a:off x="3132823" y="3000955"/>
+            <a:ext cx="2581275" cy="771525"/>
+          </a:xfrm>
+          <a:prstGeom prst="rect">
+            <a:avLst/>
+          </a:prstGeom>
+        </p:spPr>
+      </p:pic>
+      <p:sp>
+        <p:nvSpPr>
+          <p:cNvPr id="6" name="文本框 5">
+            <a:extLst>
+              <a:ext uri="{FF2B5EF4-FFF2-40B4-BE49-F238E27FC236}">
+                <a16:creationId xmlns:a16="http://schemas.microsoft.com/office/drawing/2014/main" id="{CF49B85C-10F4-49D5-A614-BB614F97EE31}"/>
               </a:ext>
             </a:extLst>
           </p:cNvPr>
@@ -3336,8 +3372,8 @@
         </p:nvSpPr>
         <p:spPr>
           <a:xfrm>
-            <a:off x="1443089" y="378684"/>
-            <a:ext cx="9251577" cy="1015663"/>
+            <a:off x="6003210" y="3043237"/>
+            <a:ext cx="2698604" cy="861774"/>
           </a:xfrm>
           <a:prstGeom prst="rect">
             <a:avLst/>
@@ -3351,275 +3387,36 @@
           <a:lstStyle/>
           <a:p>
             <a:r>
-              <a:rPr lang="en-US" altLang="zh-CN" sz="2400" b="1" dirty="0">
+              <a:rPr lang="zh-CN" altLang="en-US" sz="3600" dirty="0">
                 <a:latin typeface="Alibaba Sans Black" panose="020B0A03020203040204" pitchFamily="34" charset="0"/>
                 <a:cs typeface="Alibaba Sans Black" panose="020B0A03020203040204" pitchFamily="34" charset="0"/>
               </a:rPr>
-              <a:t>Requirement</a:t>
-            </a:r>
-            <a:endParaRPr lang="en-US" altLang="zh-CN" b="1" dirty="0">
+              <a:t>开源课</a:t>
+            </a:r>
+            <a:endParaRPr lang="en-US" altLang="zh-CN" sz="3600" dirty="0">
               <a:latin typeface="Alibaba Sans Black" panose="020B0A03020203040204" pitchFamily="34" charset="0"/>
               <a:cs typeface="Alibaba Sans Black" panose="020B0A03020203040204" pitchFamily="34" charset="0"/>
             </a:endParaRPr>
           </a:p>
           <a:p>
-            <a:endParaRPr lang="en-US" altLang="zh-CN" dirty="0">
-              <a:latin typeface="Alibaba Sans Black" panose="020B0A03020203040204" pitchFamily="34" charset="0"/>
-              <a:cs typeface="Alibaba Sans Black" panose="020B0A03020203040204" pitchFamily="34" charset="0"/>
-            </a:endParaRPr>
-          </a:p>
-          <a:p>
-            <a:r>
-              <a:rPr lang="zh-CN" altLang="en-US" dirty="0">
+            <a:r>
+              <a:rPr lang="en-US" altLang="zh-CN" sz="1400" dirty="0">
                 <a:latin typeface="Alibaba Sans Light" panose="020B0303020203040204" pitchFamily="34" charset="0"/>
                 <a:cs typeface="Alibaba Sans Light" panose="020B0303020203040204" pitchFamily="34" charset="0"/>
               </a:rPr>
-              <a:t>小伙伴用其他建模软件，创造了主角模型，我要导入到</a:t>
-            </a:r>
-            <a:r>
-              <a:rPr lang="en-US" altLang="zh-CN" dirty="0">
-                <a:latin typeface="Alibaba Sans Light" panose="020B0303020203040204" pitchFamily="34" charset="0"/>
-                <a:cs typeface="Alibaba Sans Light" panose="020B0303020203040204" pitchFamily="34" charset="0"/>
-              </a:rPr>
-              <a:t>blender</a:t>
-            </a:r>
-            <a:r>
-              <a:rPr lang="zh-CN" altLang="en-US" dirty="0">
-                <a:latin typeface="Alibaba Sans Light" panose="020B0303020203040204" pitchFamily="34" charset="0"/>
-                <a:cs typeface="Alibaba Sans Light" panose="020B0303020203040204" pitchFamily="34" charset="0"/>
-              </a:rPr>
-              <a:t>并渲染成作品</a:t>
-            </a:r>
-          </a:p>
-        </p:txBody>
-      </p:sp>
-      <p:sp>
-        <p:nvSpPr>
-          <p:cNvPr id="5" name="文本框 4">
-            <a:extLst>
-              <a:ext uri="{FF2B5EF4-FFF2-40B4-BE49-F238E27FC236}">
-                <a16:creationId xmlns:a16="http://schemas.microsoft.com/office/drawing/2014/main" id="{012927B5-70BE-4047-B19F-681DA1D361F7}"/>
-              </a:ext>
-            </a:extLst>
-          </p:cNvPr>
-          <p:cNvSpPr txBox="1"/>
-          <p:nvPr/>
-        </p:nvSpPr>
-        <p:spPr>
-          <a:xfrm>
-            <a:off x="1443089" y="2068151"/>
-            <a:ext cx="10304626" cy="4339650"/>
-          </a:xfrm>
-          <a:prstGeom prst="rect">
-            <a:avLst/>
-          </a:prstGeom>
-          <a:noFill/>
-        </p:spPr>
-        <p:txBody>
-          <a:bodyPr wrap="square" rtlCol="0">
-            <a:spAutoFit/>
-          </a:bodyPr>
-          <a:lstStyle/>
-          <a:p>
-            <a:r>
-              <a:rPr lang="en-US" altLang="zh-CN" sz="2400" dirty="0">
-                <a:latin typeface="Alibaba Sans Black" panose="020B0A03020203040204" pitchFamily="34" charset="0"/>
-                <a:cs typeface="Alibaba Sans Black" panose="020B0A03020203040204" pitchFamily="34" charset="0"/>
-              </a:rPr>
-              <a:t>Solution</a:t>
-            </a:r>
-            <a:endParaRPr lang="en-US" altLang="zh-CN" dirty="0">
-              <a:latin typeface="Alibaba Sans Black" panose="020B0A03020203040204" pitchFamily="34" charset="0"/>
-              <a:cs typeface="Alibaba Sans Black" panose="020B0A03020203040204" pitchFamily="34" charset="0"/>
-            </a:endParaRPr>
-          </a:p>
-          <a:p>
-            <a:endParaRPr lang="en-US" altLang="zh-CN" dirty="0">
-              <a:latin typeface="Alibaba Sans Black" panose="020B0A03020203040204" pitchFamily="34" charset="0"/>
-              <a:cs typeface="Alibaba Sans Black" panose="020B0A03020203040204" pitchFamily="34" charset="0"/>
-            </a:endParaRPr>
-          </a:p>
-          <a:p>
-            <a:r>
-              <a:rPr lang="en-US" altLang="zh-CN" dirty="0">
-                <a:solidFill>
-                  <a:srgbClr val="FF0000"/>
-                </a:solidFill>
-                <a:latin typeface="Alibaba Sans Light" panose="020B0303020203040204" pitchFamily="34" charset="0"/>
-                <a:cs typeface="Alibaba Sans Light" panose="020B0303020203040204" pitchFamily="34" charset="0"/>
-              </a:rPr>
-              <a:t>Points:</a:t>
-            </a:r>
-          </a:p>
-          <a:p>
-            <a:endParaRPr lang="en-US" altLang="zh-CN" dirty="0">
+              <a:t>OpenClass</a:t>
+            </a:r>
+            <a:endParaRPr lang="zh-CN" altLang="en-US" dirty="0">
               <a:latin typeface="Alibaba Sans Light" panose="020B0303020203040204" pitchFamily="34" charset="0"/>
               <a:cs typeface="Alibaba Sans Light" panose="020B0303020203040204" pitchFamily="34" charset="0"/>
             </a:endParaRPr>
           </a:p>
-          <a:p>
-            <a:pPr marL="285750" indent="-285750">
-              <a:buFont typeface="Arial" panose="020B0604020202020204" pitchFamily="34" charset="0"/>
-              <a:buChar char="•"/>
-            </a:pPr>
-            <a:r>
-              <a:rPr lang="en-US" altLang="zh-CN" dirty="0">
-                <a:latin typeface="Alibaba Sans Light" panose="020B0303020203040204" pitchFamily="34" charset="0"/>
-                <a:cs typeface="Alibaba Sans Light" panose="020B0303020203040204" pitchFamily="34" charset="0"/>
-              </a:rPr>
-              <a:t>Pipeline</a:t>
-            </a:r>
-            <a:r>
-              <a:rPr lang="zh-CN" altLang="en-US" dirty="0">
-                <a:latin typeface="Alibaba Sans Light" panose="020B0303020203040204" pitchFamily="34" charset="0"/>
-                <a:cs typeface="Alibaba Sans Light" panose="020B0303020203040204" pitchFamily="34" charset="0"/>
-              </a:rPr>
-              <a:t>中的</a:t>
-            </a:r>
-            <a:r>
-              <a:rPr lang="en-US" altLang="zh-CN" dirty="0" err="1">
-                <a:latin typeface="Alibaba Sans Light" panose="020B0303020203040204" pitchFamily="34" charset="0"/>
-                <a:cs typeface="Alibaba Sans Light" panose="020B0303020203040204" pitchFamily="34" charset="0"/>
-              </a:rPr>
-              <a:t>fbx</a:t>
-            </a:r>
-            <a:r>
-              <a:rPr lang="zh-CN" altLang="en-US" dirty="0">
-                <a:latin typeface="Alibaba Sans Light" panose="020B0303020203040204" pitchFamily="34" charset="0"/>
-                <a:cs typeface="Alibaba Sans Light" panose="020B0303020203040204" pitchFamily="34" charset="0"/>
-              </a:rPr>
-              <a:t>文件格式</a:t>
-            </a:r>
-            <a:endParaRPr lang="en-US" altLang="zh-CN" dirty="0">
-              <a:latin typeface="Alibaba Sans Light" panose="020B0303020203040204" pitchFamily="34" charset="0"/>
-              <a:cs typeface="Alibaba Sans Light" panose="020B0303020203040204" pitchFamily="34" charset="0"/>
-            </a:endParaRPr>
-          </a:p>
-          <a:p>
-            <a:pPr marL="285750" indent="-285750">
-              <a:buFont typeface="Arial" panose="020B0604020202020204" pitchFamily="34" charset="0"/>
-              <a:buChar char="•"/>
-            </a:pPr>
-            <a:r>
-              <a:rPr lang="en-US" altLang="zh-CN" dirty="0">
-                <a:latin typeface="Alibaba Sans Light" panose="020B0303020203040204" pitchFamily="34" charset="0"/>
-                <a:cs typeface="Alibaba Sans Light" panose="020B0303020203040204" pitchFamily="34" charset="0"/>
-              </a:rPr>
-              <a:t>Blender Render</a:t>
-            </a:r>
-            <a:r>
-              <a:rPr lang="zh-CN" altLang="en-US" dirty="0">
-                <a:latin typeface="Alibaba Sans Light" panose="020B0303020203040204" pitchFamily="34" charset="0"/>
-                <a:cs typeface="Alibaba Sans Light" panose="020B0303020203040204" pitchFamily="34" charset="0"/>
-              </a:rPr>
-              <a:t>知识（灯光）</a:t>
-            </a:r>
-            <a:endParaRPr lang="en-US" altLang="zh-CN" dirty="0">
-              <a:latin typeface="Alibaba Sans Light" panose="020B0303020203040204" pitchFamily="34" charset="0"/>
-              <a:cs typeface="Alibaba Sans Light" panose="020B0303020203040204" pitchFamily="34" charset="0"/>
-            </a:endParaRPr>
-          </a:p>
-          <a:p>
-            <a:pPr marL="285750" indent="-285750">
-              <a:buFont typeface="Arial" panose="020B0604020202020204" pitchFamily="34" charset="0"/>
-              <a:buChar char="•"/>
-            </a:pPr>
-            <a:r>
-              <a:rPr lang="en-US" altLang="zh-CN" dirty="0">
-                <a:latin typeface="Alibaba Sans Light" panose="020B0303020203040204" pitchFamily="34" charset="0"/>
-                <a:cs typeface="Alibaba Sans Light" panose="020B0303020203040204" pitchFamily="34" charset="0"/>
-              </a:rPr>
-              <a:t>F3</a:t>
-            </a:r>
-            <a:r>
-              <a:rPr lang="zh-CN" altLang="en-US" dirty="0">
-                <a:latin typeface="Alibaba Sans Light" panose="020B0303020203040204" pitchFamily="34" charset="0"/>
-                <a:cs typeface="Alibaba Sans Light" panose="020B0303020203040204" pitchFamily="34" charset="0"/>
-              </a:rPr>
-              <a:t>快捷键</a:t>
-            </a:r>
-            <a:endParaRPr lang="en-US" altLang="zh-CN" dirty="0">
-              <a:latin typeface="Alibaba Sans Light" panose="020B0303020203040204" pitchFamily="34" charset="0"/>
-              <a:cs typeface="Alibaba Sans Light" panose="020B0303020203040204" pitchFamily="34" charset="0"/>
-            </a:endParaRPr>
-          </a:p>
-          <a:p>
-            <a:endParaRPr lang="en-US" altLang="zh-CN" dirty="0">
-              <a:latin typeface="Alibaba Sans Light" panose="020B0303020203040204" pitchFamily="34" charset="0"/>
-              <a:cs typeface="Alibaba Sans Light" panose="020B0303020203040204" pitchFamily="34" charset="0"/>
-            </a:endParaRPr>
-          </a:p>
-          <a:p>
-            <a:endParaRPr lang="en-US" altLang="zh-CN" dirty="0">
-              <a:latin typeface="Alibaba Sans Light" panose="020B0303020203040204" pitchFamily="34" charset="0"/>
-              <a:cs typeface="Alibaba Sans Light" panose="020B0303020203040204" pitchFamily="34" charset="0"/>
-            </a:endParaRPr>
-          </a:p>
-          <a:p>
-            <a:r>
-              <a:rPr lang="en-US" altLang="zh-CN" dirty="0">
-                <a:solidFill>
-                  <a:srgbClr val="FF0000"/>
-                </a:solidFill>
-                <a:latin typeface="Alibaba Sans Light" panose="020B0303020203040204" pitchFamily="34" charset="0"/>
-                <a:cs typeface="Alibaba Sans Light" panose="020B0303020203040204" pitchFamily="34" charset="0"/>
-              </a:rPr>
-              <a:t>Deep Dive:</a:t>
-            </a:r>
-          </a:p>
-          <a:p>
-            <a:endParaRPr lang="en-US" altLang="zh-CN" dirty="0">
-              <a:latin typeface="Alibaba Sans Light" panose="020B0303020203040204" pitchFamily="34" charset="0"/>
-              <a:cs typeface="Alibaba Sans Light" panose="020B0303020203040204" pitchFamily="34" charset="0"/>
-            </a:endParaRPr>
-          </a:p>
-          <a:p>
-            <a:r>
-              <a:rPr lang="zh-CN" altLang="en-US" dirty="0">
-                <a:latin typeface="Alibaba Sans Light" panose="020B0303020203040204" pitchFamily="34" charset="0"/>
-                <a:cs typeface="Alibaba Sans Light" panose="020B0303020203040204" pitchFamily="34" charset="0"/>
-              </a:rPr>
-              <a:t>理解</a:t>
-            </a:r>
-            <a:r>
-              <a:rPr lang="en-US" altLang="zh-CN" dirty="0" err="1">
-                <a:latin typeface="Alibaba Sans Light" panose="020B0303020203040204" pitchFamily="34" charset="0"/>
-                <a:cs typeface="Alibaba Sans Light" panose="020B0303020203040204" pitchFamily="34" charset="0"/>
-              </a:rPr>
-              <a:t>fbx</a:t>
-            </a:r>
-            <a:endParaRPr lang="en-US" altLang="zh-CN" dirty="0">
-              <a:latin typeface="Alibaba Sans Light" panose="020B0303020203040204" pitchFamily="34" charset="0"/>
-              <a:cs typeface="Alibaba Sans Light" panose="020B0303020203040204" pitchFamily="34" charset="0"/>
-            </a:endParaRPr>
-          </a:p>
-          <a:p>
-            <a:r>
-              <a:rPr lang="en-US" altLang="zh-CN" dirty="0">
-                <a:hlinkClick r:id="rId2"/>
-              </a:rPr>
-              <a:t>https://docs.blender.org/manual/en/dev/addons/import_export/io_scene_fbx.html?highlight=fbx</a:t>
-            </a:r>
-            <a:endParaRPr lang="en-US" altLang="zh-CN" dirty="0"/>
-          </a:p>
-          <a:p>
-            <a:endParaRPr lang="en-US" altLang="zh-CN" dirty="0">
-              <a:latin typeface="Alibaba Sans Black" panose="020B0A03020203040204" pitchFamily="34" charset="0"/>
-              <a:cs typeface="Alibaba Sans Black" panose="020B0A03020203040204" pitchFamily="34" charset="0"/>
-            </a:endParaRPr>
-          </a:p>
-          <a:p>
-            <a:endParaRPr lang="zh-CN" altLang="en-US" dirty="0">
-              <a:latin typeface="Alibaba Sans Black" panose="020B0A03020203040204" pitchFamily="34" charset="0"/>
-              <a:cs typeface="Alibaba Sans Black" panose="020B0A03020203040204" pitchFamily="34" charset="0"/>
-            </a:endParaRPr>
-          </a:p>
         </p:txBody>
       </p:sp>
     </p:spTree>
     <p:extLst>
       <p:ext uri="{BB962C8B-B14F-4D97-AF65-F5344CB8AC3E}">
-        <p14:creationId xmlns:p14="http://schemas.microsoft.com/office/powerpoint/2010/main" val="4426512"/>
+        <p14:creationId xmlns:p14="http://schemas.microsoft.com/office/powerpoint/2010/main" val="83147209"/>
       </p:ext>
     </p:extLst>
   </p:cSld>
@@ -3651,6 +3448,382 @@
           <p:cNvPr id="4" name="文本框 3">
             <a:extLst>
               <a:ext uri="{FF2B5EF4-FFF2-40B4-BE49-F238E27FC236}">
+                <a16:creationId xmlns:a16="http://schemas.microsoft.com/office/drawing/2014/main" id="{21CDF921-4702-4818-A137-43908187E083}"/>
+              </a:ext>
+            </a:extLst>
+          </p:cNvPr>
+          <p:cNvSpPr txBox="1"/>
+          <p:nvPr/>
+        </p:nvSpPr>
+        <p:spPr>
+          <a:xfrm>
+            <a:off x="1443089" y="378684"/>
+            <a:ext cx="9251577" cy="1015663"/>
+          </a:xfrm>
+          <a:prstGeom prst="rect">
+            <a:avLst/>
+          </a:prstGeom>
+          <a:noFill/>
+        </p:spPr>
+        <p:txBody>
+          <a:bodyPr wrap="square" rtlCol="0">
+            <a:spAutoFit/>
+          </a:bodyPr>
+          <a:lstStyle/>
+          <a:p>
+            <a:r>
+              <a:rPr lang="en-US" altLang="zh-CN" sz="2400" b="1" dirty="0">
+                <a:latin typeface="Alibaba Sans Black" panose="020B0A03020203040204" pitchFamily="34" charset="0"/>
+                <a:cs typeface="Alibaba Sans Black" panose="020B0A03020203040204" pitchFamily="34" charset="0"/>
+              </a:rPr>
+              <a:t>Requirement</a:t>
+            </a:r>
+            <a:endParaRPr lang="en-US" altLang="zh-CN" b="1" dirty="0">
+              <a:latin typeface="Alibaba Sans Black" panose="020B0A03020203040204" pitchFamily="34" charset="0"/>
+              <a:cs typeface="Alibaba Sans Black" panose="020B0A03020203040204" pitchFamily="34" charset="0"/>
+            </a:endParaRPr>
+          </a:p>
+          <a:p>
+            <a:endParaRPr lang="en-US" altLang="zh-CN" dirty="0">
+              <a:latin typeface="Alibaba Sans Black" panose="020B0A03020203040204" pitchFamily="34" charset="0"/>
+              <a:cs typeface="Alibaba Sans Black" panose="020B0A03020203040204" pitchFamily="34" charset="0"/>
+            </a:endParaRPr>
+          </a:p>
+          <a:p>
+            <a:r>
+              <a:rPr lang="zh-CN" altLang="en-US" dirty="0">
+                <a:latin typeface="Alibaba Sans Light" panose="020B0303020203040204" pitchFamily="34" charset="0"/>
+                <a:cs typeface="Alibaba Sans Light" panose="020B0303020203040204" pitchFamily="34" charset="0"/>
+              </a:rPr>
+              <a:t>小伙伴用其他建模软件，创造了主角模型，我要导入这个到</a:t>
+            </a:r>
+            <a:r>
+              <a:rPr lang="en-US" altLang="zh-CN" dirty="0">
+                <a:latin typeface="Alibaba Sans Light" panose="020B0303020203040204" pitchFamily="34" charset="0"/>
+                <a:cs typeface="Alibaba Sans Light" panose="020B0303020203040204" pitchFamily="34" charset="0"/>
+              </a:rPr>
+              <a:t>blender</a:t>
+            </a:r>
+            <a:r>
+              <a:rPr lang="zh-CN" altLang="en-US" dirty="0">
+                <a:latin typeface="Alibaba Sans Light" panose="020B0303020203040204" pitchFamily="34" charset="0"/>
+                <a:cs typeface="Alibaba Sans Light" panose="020B0303020203040204" pitchFamily="34" charset="0"/>
+              </a:rPr>
+              <a:t>并渲染成作品</a:t>
+            </a:r>
+          </a:p>
+        </p:txBody>
+      </p:sp>
+      <p:sp>
+        <p:nvSpPr>
+          <p:cNvPr id="5" name="文本框 4">
+            <a:extLst>
+              <a:ext uri="{FF2B5EF4-FFF2-40B4-BE49-F238E27FC236}">
+                <a16:creationId xmlns:a16="http://schemas.microsoft.com/office/drawing/2014/main" id="{012927B5-70BE-4047-B19F-681DA1D361F7}"/>
+              </a:ext>
+            </a:extLst>
+          </p:cNvPr>
+          <p:cNvSpPr txBox="1"/>
+          <p:nvPr/>
+        </p:nvSpPr>
+        <p:spPr>
+          <a:xfrm>
+            <a:off x="1443089" y="2068151"/>
+            <a:ext cx="10304626" cy="4339650"/>
+          </a:xfrm>
+          <a:prstGeom prst="rect">
+            <a:avLst/>
+          </a:prstGeom>
+          <a:noFill/>
+        </p:spPr>
+        <p:txBody>
+          <a:bodyPr wrap="square" rtlCol="0">
+            <a:spAutoFit/>
+          </a:bodyPr>
+          <a:lstStyle/>
+          <a:p>
+            <a:r>
+              <a:rPr lang="en-US" altLang="zh-CN" sz="2400" dirty="0">
+                <a:latin typeface="Alibaba Sans Black" panose="020B0A03020203040204" pitchFamily="34" charset="0"/>
+                <a:cs typeface="Alibaba Sans Black" panose="020B0A03020203040204" pitchFamily="34" charset="0"/>
+              </a:rPr>
+              <a:t>Solution</a:t>
+            </a:r>
+            <a:endParaRPr lang="en-US" altLang="zh-CN" dirty="0">
+              <a:latin typeface="Alibaba Sans Black" panose="020B0A03020203040204" pitchFamily="34" charset="0"/>
+              <a:cs typeface="Alibaba Sans Black" panose="020B0A03020203040204" pitchFamily="34" charset="0"/>
+            </a:endParaRPr>
+          </a:p>
+          <a:p>
+            <a:endParaRPr lang="en-US" altLang="zh-CN" dirty="0">
+              <a:latin typeface="Alibaba Sans Black" panose="020B0A03020203040204" pitchFamily="34" charset="0"/>
+              <a:cs typeface="Alibaba Sans Black" panose="020B0A03020203040204" pitchFamily="34" charset="0"/>
+            </a:endParaRPr>
+          </a:p>
+          <a:p>
+            <a:r>
+              <a:rPr lang="en-US" altLang="zh-CN" dirty="0">
+                <a:solidFill>
+                  <a:srgbClr val="FF0000"/>
+                </a:solidFill>
+                <a:latin typeface="Alibaba Sans Light" panose="020B0303020203040204" pitchFamily="34" charset="0"/>
+                <a:cs typeface="Alibaba Sans Light" panose="020B0303020203040204" pitchFamily="34" charset="0"/>
+              </a:rPr>
+              <a:t>Points:</a:t>
+            </a:r>
+          </a:p>
+          <a:p>
+            <a:endParaRPr lang="en-US" altLang="zh-CN" dirty="0">
+              <a:latin typeface="Alibaba Sans Light" panose="020B0303020203040204" pitchFamily="34" charset="0"/>
+              <a:cs typeface="Alibaba Sans Light" panose="020B0303020203040204" pitchFamily="34" charset="0"/>
+            </a:endParaRPr>
+          </a:p>
+          <a:p>
+            <a:pPr marL="285750" indent="-285750">
+              <a:buFont typeface="Arial" panose="020B0604020202020204" pitchFamily="34" charset="0"/>
+              <a:buChar char="•"/>
+            </a:pPr>
+            <a:r>
+              <a:rPr lang="en-US" altLang="zh-CN" dirty="0">
+                <a:latin typeface="Alibaba Sans Light" panose="020B0303020203040204" pitchFamily="34" charset="0"/>
+                <a:cs typeface="Alibaba Sans Light" panose="020B0303020203040204" pitchFamily="34" charset="0"/>
+              </a:rPr>
+              <a:t>Pipeline</a:t>
+            </a:r>
+            <a:r>
+              <a:rPr lang="zh-CN" altLang="en-US" dirty="0">
+                <a:latin typeface="Alibaba Sans Light" panose="020B0303020203040204" pitchFamily="34" charset="0"/>
+                <a:cs typeface="Alibaba Sans Light" panose="020B0303020203040204" pitchFamily="34" charset="0"/>
+              </a:rPr>
+              <a:t>中的</a:t>
+            </a:r>
+            <a:r>
+              <a:rPr lang="en-US" altLang="zh-CN" dirty="0" err="1">
+                <a:latin typeface="Alibaba Sans Light" panose="020B0303020203040204" pitchFamily="34" charset="0"/>
+                <a:cs typeface="Alibaba Sans Light" panose="020B0303020203040204" pitchFamily="34" charset="0"/>
+              </a:rPr>
+              <a:t>fbx</a:t>
+            </a:r>
+            <a:r>
+              <a:rPr lang="zh-CN" altLang="en-US" dirty="0">
+                <a:latin typeface="Alibaba Sans Light" panose="020B0303020203040204" pitchFamily="34" charset="0"/>
+                <a:cs typeface="Alibaba Sans Light" panose="020B0303020203040204" pitchFamily="34" charset="0"/>
+              </a:rPr>
+              <a:t>文件格式</a:t>
+            </a:r>
+            <a:endParaRPr lang="en-US" altLang="zh-CN" dirty="0">
+              <a:latin typeface="Alibaba Sans Light" panose="020B0303020203040204" pitchFamily="34" charset="0"/>
+              <a:cs typeface="Alibaba Sans Light" panose="020B0303020203040204" pitchFamily="34" charset="0"/>
+            </a:endParaRPr>
+          </a:p>
+          <a:p>
+            <a:pPr marL="285750" indent="-285750">
+              <a:buFont typeface="Arial" panose="020B0604020202020204" pitchFamily="34" charset="0"/>
+              <a:buChar char="•"/>
+            </a:pPr>
+            <a:r>
+              <a:rPr lang="en-US" altLang="zh-CN" dirty="0">
+                <a:latin typeface="Alibaba Sans Light" panose="020B0303020203040204" pitchFamily="34" charset="0"/>
+                <a:cs typeface="Alibaba Sans Light" panose="020B0303020203040204" pitchFamily="34" charset="0"/>
+              </a:rPr>
+              <a:t>Blender Render</a:t>
+            </a:r>
+            <a:r>
+              <a:rPr lang="zh-CN" altLang="en-US" dirty="0">
+                <a:latin typeface="Alibaba Sans Light" panose="020B0303020203040204" pitchFamily="34" charset="0"/>
+                <a:cs typeface="Alibaba Sans Light" panose="020B0303020203040204" pitchFamily="34" charset="0"/>
+              </a:rPr>
+              <a:t>知识（灯光）</a:t>
+            </a:r>
+            <a:endParaRPr lang="en-US" altLang="zh-CN" dirty="0">
+              <a:latin typeface="Alibaba Sans Light" panose="020B0303020203040204" pitchFamily="34" charset="0"/>
+              <a:cs typeface="Alibaba Sans Light" panose="020B0303020203040204" pitchFamily="34" charset="0"/>
+            </a:endParaRPr>
+          </a:p>
+          <a:p>
+            <a:pPr marL="285750" indent="-285750">
+              <a:buFont typeface="Arial" panose="020B0604020202020204" pitchFamily="34" charset="0"/>
+              <a:buChar char="•"/>
+            </a:pPr>
+            <a:r>
+              <a:rPr lang="en-US" altLang="zh-CN" dirty="0">
+                <a:latin typeface="Alibaba Sans Light" panose="020B0303020203040204" pitchFamily="34" charset="0"/>
+                <a:cs typeface="Alibaba Sans Light" panose="020B0303020203040204" pitchFamily="34" charset="0"/>
+              </a:rPr>
+              <a:t>F3</a:t>
+            </a:r>
+            <a:r>
+              <a:rPr lang="zh-CN" altLang="en-US" dirty="0">
+                <a:latin typeface="Alibaba Sans Light" panose="020B0303020203040204" pitchFamily="34" charset="0"/>
+                <a:cs typeface="Alibaba Sans Light" panose="020B0303020203040204" pitchFamily="34" charset="0"/>
+              </a:rPr>
+              <a:t>快捷键</a:t>
+            </a:r>
+            <a:endParaRPr lang="en-US" altLang="zh-CN" dirty="0">
+              <a:latin typeface="Alibaba Sans Light" panose="020B0303020203040204" pitchFamily="34" charset="0"/>
+              <a:cs typeface="Alibaba Sans Light" panose="020B0303020203040204" pitchFamily="34" charset="0"/>
+            </a:endParaRPr>
+          </a:p>
+          <a:p>
+            <a:endParaRPr lang="en-US" altLang="zh-CN" dirty="0">
+              <a:latin typeface="Alibaba Sans Light" panose="020B0303020203040204" pitchFamily="34" charset="0"/>
+              <a:cs typeface="Alibaba Sans Light" panose="020B0303020203040204" pitchFamily="34" charset="0"/>
+            </a:endParaRPr>
+          </a:p>
+          <a:p>
+            <a:endParaRPr lang="en-US" altLang="zh-CN" dirty="0">
+              <a:latin typeface="Alibaba Sans Light" panose="020B0303020203040204" pitchFamily="34" charset="0"/>
+              <a:cs typeface="Alibaba Sans Light" panose="020B0303020203040204" pitchFamily="34" charset="0"/>
+            </a:endParaRPr>
+          </a:p>
+          <a:p>
+            <a:r>
+              <a:rPr lang="en-US" altLang="zh-CN" dirty="0">
+                <a:solidFill>
+                  <a:srgbClr val="FF0000"/>
+                </a:solidFill>
+                <a:latin typeface="Alibaba Sans Light" panose="020B0303020203040204" pitchFamily="34" charset="0"/>
+                <a:cs typeface="Alibaba Sans Light" panose="020B0303020203040204" pitchFamily="34" charset="0"/>
+              </a:rPr>
+              <a:t>Deep Dive:</a:t>
+            </a:r>
+          </a:p>
+          <a:p>
+            <a:endParaRPr lang="en-US" altLang="zh-CN" dirty="0">
+              <a:latin typeface="Alibaba Sans Light" panose="020B0303020203040204" pitchFamily="34" charset="0"/>
+              <a:cs typeface="Alibaba Sans Light" panose="020B0303020203040204" pitchFamily="34" charset="0"/>
+            </a:endParaRPr>
+          </a:p>
+          <a:p>
+            <a:r>
+              <a:rPr lang="zh-CN" altLang="en-US" dirty="0">
+                <a:latin typeface="Alibaba Sans Light" panose="020B0303020203040204" pitchFamily="34" charset="0"/>
+                <a:cs typeface="Alibaba Sans Light" panose="020B0303020203040204" pitchFamily="34" charset="0"/>
+              </a:rPr>
+              <a:t>理解</a:t>
+            </a:r>
+            <a:r>
+              <a:rPr lang="en-US" altLang="zh-CN" dirty="0" err="1">
+                <a:latin typeface="Alibaba Sans Light" panose="020B0303020203040204" pitchFamily="34" charset="0"/>
+                <a:cs typeface="Alibaba Sans Light" panose="020B0303020203040204" pitchFamily="34" charset="0"/>
+              </a:rPr>
+              <a:t>fbx</a:t>
+            </a:r>
+            <a:endParaRPr lang="en-US" altLang="zh-CN" dirty="0">
+              <a:latin typeface="Alibaba Sans Light" panose="020B0303020203040204" pitchFamily="34" charset="0"/>
+              <a:cs typeface="Alibaba Sans Light" panose="020B0303020203040204" pitchFamily="34" charset="0"/>
+            </a:endParaRPr>
+          </a:p>
+          <a:p>
+            <a:r>
+              <a:rPr lang="en-US" altLang="zh-CN" dirty="0">
+                <a:hlinkClick r:id="rId2"/>
+              </a:rPr>
+              <a:t>https://docs.blender.org/manual/en/dev/addons/import_export/io_scene_fbx.html?highlight=fbx</a:t>
+            </a:r>
+            <a:endParaRPr lang="en-US" altLang="zh-CN" dirty="0"/>
+          </a:p>
+          <a:p>
+            <a:endParaRPr lang="en-US" altLang="zh-CN" dirty="0">
+              <a:latin typeface="Alibaba Sans Black" panose="020B0A03020203040204" pitchFamily="34" charset="0"/>
+              <a:cs typeface="Alibaba Sans Black" panose="020B0A03020203040204" pitchFamily="34" charset="0"/>
+            </a:endParaRPr>
+          </a:p>
+          <a:p>
+            <a:endParaRPr lang="zh-CN" altLang="en-US" dirty="0">
+              <a:latin typeface="Alibaba Sans Black" panose="020B0A03020203040204" pitchFamily="34" charset="0"/>
+              <a:cs typeface="Alibaba Sans Black" panose="020B0A03020203040204" pitchFamily="34" charset="0"/>
+            </a:endParaRPr>
+          </a:p>
+        </p:txBody>
+      </p:sp>
+      <p:sp>
+        <p:nvSpPr>
+          <p:cNvPr id="2" name="矩形 1">
+            <a:extLst>
+              <a:ext uri="{FF2B5EF4-FFF2-40B4-BE49-F238E27FC236}">
+                <a16:creationId xmlns:a16="http://schemas.microsoft.com/office/drawing/2014/main" id="{7DD6158B-028A-41AF-A140-DB1CA187AF97}"/>
+              </a:ext>
+            </a:extLst>
+          </p:cNvPr>
+          <p:cNvSpPr/>
+          <p:nvPr/>
+        </p:nvSpPr>
+        <p:spPr>
+          <a:xfrm>
+            <a:off x="0" y="0"/>
+            <a:ext cx="356461" cy="6858000"/>
+          </a:xfrm>
+          <a:prstGeom prst="rect">
+            <a:avLst/>
+          </a:prstGeom>
+          <a:solidFill>
+            <a:srgbClr val="00B0F0"/>
+          </a:solidFill>
+          <a:ln>
+            <a:noFill/>
+          </a:ln>
+        </p:spPr>
+        <p:style>
+          <a:lnRef idx="2">
+            <a:schemeClr val="accent1">
+              <a:shade val="50000"/>
+            </a:schemeClr>
+          </a:lnRef>
+          <a:fillRef idx="1">
+            <a:schemeClr val="accent1"/>
+          </a:fillRef>
+          <a:effectRef idx="0">
+            <a:schemeClr val="accent1"/>
+          </a:effectRef>
+          <a:fontRef idx="minor">
+            <a:schemeClr val="lt1"/>
+          </a:fontRef>
+        </p:style>
+        <p:txBody>
+          <a:bodyPr rtlCol="0" anchor="ctr"/>
+          <a:lstStyle/>
+          <a:p>
+            <a:pPr algn="ctr"/>
+            <a:endParaRPr lang="zh-CN" altLang="en-US"/>
+          </a:p>
+        </p:txBody>
+      </p:sp>
+    </p:spTree>
+    <p:extLst>
+      <p:ext uri="{BB962C8B-B14F-4D97-AF65-F5344CB8AC3E}">
+        <p14:creationId xmlns:p14="http://schemas.microsoft.com/office/powerpoint/2010/main" val="4426512"/>
+      </p:ext>
+    </p:extLst>
+  </p:cSld>
+  <p:clrMapOvr>
+    <a:masterClrMapping/>
+  </p:clrMapOvr>
+</p:sld>
+</file>
+
+<file path=ppt/slides/slide3.xml><?xml version="1.0" encoding="utf-8"?>
+<p:sld xmlns:a="http://schemas.openxmlformats.org/drawingml/2006/main" xmlns:r="http://schemas.openxmlformats.org/officeDocument/2006/relationships" xmlns:p="http://schemas.openxmlformats.org/presentationml/2006/main">
+  <p:cSld>
+    <p:spTree>
+      <p:nvGrpSpPr>
+        <p:cNvPr id="1" name=""/>
+        <p:cNvGrpSpPr/>
+        <p:nvPr/>
+      </p:nvGrpSpPr>
+      <p:grpSpPr>
+        <a:xfrm>
+          <a:off x="0" y="0"/>
+          <a:ext cx="0" cy="0"/>
+          <a:chOff x="0" y="0"/>
+          <a:chExt cx="0" cy="0"/>
+        </a:xfrm>
+      </p:grpSpPr>
+      <p:sp>
+        <p:nvSpPr>
+          <p:cNvPr id="4" name="文本框 3">
+            <a:extLst>
+              <a:ext uri="{FF2B5EF4-FFF2-40B4-BE49-F238E27FC236}">
                 <a16:creationId xmlns:a16="http://schemas.microsoft.com/office/drawing/2014/main" id="{D8019E18-1A38-4E8F-9514-503EEEA82B79}"/>
               </a:ext>
             </a:extLst>
@@ -3691,6 +3864,60 @@
               <a:latin typeface="Alibaba Sans Black" panose="020B0A03020203040204" pitchFamily="34" charset="0"/>
               <a:cs typeface="Alibaba Sans Black" panose="020B0A03020203040204" pitchFamily="34" charset="0"/>
             </a:endParaRPr>
+          </a:p>
+        </p:txBody>
+      </p:sp>
+      <p:sp>
+        <p:nvSpPr>
+          <p:cNvPr id="3" name="矩形 2">
+            <a:extLst>
+              <a:ext uri="{FF2B5EF4-FFF2-40B4-BE49-F238E27FC236}">
+                <a16:creationId xmlns:a16="http://schemas.microsoft.com/office/drawing/2014/main" id="{93BBE368-874E-468A-94A3-10EC1E2FB2F6}"/>
+              </a:ext>
+            </a:extLst>
+          </p:cNvPr>
+          <p:cNvSpPr/>
+          <p:nvPr/>
+        </p:nvSpPr>
+        <p:spPr>
+          <a:xfrm>
+            <a:off x="0" y="0"/>
+            <a:ext cx="356461" cy="6858000"/>
+          </a:xfrm>
+          <a:prstGeom prst="rect">
+            <a:avLst/>
+          </a:prstGeom>
+          <a:solidFill>
+            <a:schemeClr val="accent6">
+              <a:lumMod val="75000"/>
+            </a:schemeClr>
+          </a:solidFill>
+          <a:ln>
+            <a:noFill/>
+          </a:ln>
+        </p:spPr>
+        <p:style>
+          <a:lnRef idx="2">
+            <a:schemeClr val="accent1">
+              <a:shade val="50000"/>
+            </a:schemeClr>
+          </a:lnRef>
+          <a:fillRef idx="1">
+            <a:schemeClr val="accent1"/>
+          </a:fillRef>
+          <a:effectRef idx="0">
+            <a:schemeClr val="accent1"/>
+          </a:effectRef>
+          <a:fontRef idx="minor">
+            <a:schemeClr val="lt1"/>
+          </a:fontRef>
+        </p:style>
+        <p:txBody>
+          <a:bodyPr rtlCol="0" anchor="ctr"/>
+          <a:lstStyle/>
+          <a:p>
+            <a:pPr algn="ctr"/>
+            <a:endParaRPr lang="zh-CN" altLang="en-US"/>
           </a:p>
         </p:txBody>
       </p:sp>

--- a/PPTs/0001.pptx
+++ b/PPTs/0001.pptx
@@ -6,8 +6,9 @@
   </p:sldMasterIdLst>
   <p:sldIdLst>
     <p:sldId id="258" r:id="rId2"/>
-    <p:sldId id="256" r:id="rId3"/>
-    <p:sldId id="257" r:id="rId4"/>
+    <p:sldId id="259" r:id="rId3"/>
+    <p:sldId id="256" r:id="rId4"/>
+    <p:sldId id="257" r:id="rId5"/>
   </p:sldIdLst>
   <p:sldSz cx="12192000" cy="6858000"/>
   <p:notesSz cx="6858000" cy="9144000"/>
@@ -3413,6 +3414,208 @@
           </a:p>
         </p:txBody>
       </p:sp>
+      <p:sp>
+        <p:nvSpPr>
+          <p:cNvPr id="2" name="双括号 1">
+            <a:extLst>
+              <a:ext uri="{FF2B5EF4-FFF2-40B4-BE49-F238E27FC236}">
+                <a16:creationId xmlns:a16="http://schemas.microsoft.com/office/drawing/2014/main" id="{E1623B68-2091-42AB-BA24-1F6A30F419D6}"/>
+              </a:ext>
+            </a:extLst>
+          </p:cNvPr>
+          <p:cNvSpPr/>
+          <p:nvPr/>
+        </p:nvSpPr>
+        <p:spPr>
+          <a:xfrm>
+            <a:off x="8701814" y="2350214"/>
+            <a:ext cx="2581275" cy="1808028"/>
+          </a:xfrm>
+          <a:prstGeom prst="bracketPair">
+            <a:avLst>
+              <a:gd name="adj" fmla="val 11809"/>
+            </a:avLst>
+          </a:prstGeom>
+          <a:ln>
+            <a:solidFill>
+              <a:schemeClr val="bg1">
+                <a:lumMod val="50000"/>
+              </a:schemeClr>
+            </a:solidFill>
+          </a:ln>
+        </p:spPr>
+        <p:style>
+          <a:lnRef idx="1">
+            <a:schemeClr val="accent1"/>
+          </a:lnRef>
+          <a:fillRef idx="0">
+            <a:schemeClr val="accent1"/>
+          </a:fillRef>
+          <a:effectRef idx="0">
+            <a:schemeClr val="accent1"/>
+          </a:effectRef>
+          <a:fontRef idx="minor">
+            <a:schemeClr val="tx1"/>
+          </a:fontRef>
+        </p:style>
+        <p:txBody>
+          <a:bodyPr rtlCol="0" anchor="ctr"/>
+          <a:lstStyle/>
+          <a:p>
+            <a:pPr algn="ctr"/>
+            <a:endParaRPr lang="zh-CN" altLang="en-US"/>
+          </a:p>
+        </p:txBody>
+      </p:sp>
+      <p:cxnSp>
+        <p:nvCxnSpPr>
+          <p:cNvPr id="4" name="直接连接符 3">
+            <a:extLst>
+              <a:ext uri="{FF2B5EF4-FFF2-40B4-BE49-F238E27FC236}">
+                <a16:creationId xmlns:a16="http://schemas.microsoft.com/office/drawing/2014/main" id="{E2596251-C845-4229-9740-957CDA34C261}"/>
+              </a:ext>
+            </a:extLst>
+          </p:cNvPr>
+          <p:cNvCxnSpPr>
+            <a:cxnSpLocks/>
+          </p:cNvCxnSpPr>
+          <p:nvPr/>
+        </p:nvCxnSpPr>
+        <p:spPr>
+          <a:xfrm flipH="1">
+            <a:off x="9202723" y="2773291"/>
+            <a:ext cx="1626343" cy="1215695"/>
+          </a:xfrm>
+          <a:prstGeom prst="line">
+            <a:avLst/>
+          </a:prstGeom>
+          <a:ln>
+            <a:solidFill>
+              <a:schemeClr val="bg1">
+                <a:lumMod val="50000"/>
+              </a:schemeClr>
+            </a:solidFill>
+          </a:ln>
+        </p:spPr>
+        <p:style>
+          <a:lnRef idx="1">
+            <a:schemeClr val="accent1"/>
+          </a:lnRef>
+          <a:fillRef idx="0">
+            <a:schemeClr val="accent1"/>
+          </a:fillRef>
+          <a:effectRef idx="0">
+            <a:schemeClr val="accent1"/>
+          </a:effectRef>
+          <a:fontRef idx="minor">
+            <a:schemeClr val="tx1"/>
+          </a:fontRef>
+        </p:style>
+      </p:cxnSp>
+      <p:sp>
+        <p:nvSpPr>
+          <p:cNvPr id="9" name="文本框 8">
+            <a:extLst>
+              <a:ext uri="{FF2B5EF4-FFF2-40B4-BE49-F238E27FC236}">
+                <a16:creationId xmlns:a16="http://schemas.microsoft.com/office/drawing/2014/main" id="{5D242442-CF4A-4194-9072-0C01246BC516}"/>
+              </a:ext>
+            </a:extLst>
+          </p:cNvPr>
+          <p:cNvSpPr txBox="1"/>
+          <p:nvPr/>
+        </p:nvSpPr>
+        <p:spPr>
+          <a:xfrm>
+            <a:off x="8701814" y="2773291"/>
+            <a:ext cx="1805542" cy="523220"/>
+          </a:xfrm>
+          <a:prstGeom prst="rect">
+            <a:avLst/>
+          </a:prstGeom>
+          <a:noFill/>
+        </p:spPr>
+        <p:txBody>
+          <a:bodyPr wrap="square" rtlCol="0">
+            <a:spAutoFit/>
+          </a:bodyPr>
+          <a:lstStyle/>
+          <a:p>
+            <a:r>
+              <a:rPr lang="en-US" altLang="zh-CN" sz="2800" dirty="0">
+                <a:solidFill>
+                  <a:schemeClr val="bg1">
+                    <a:lumMod val="50000"/>
+                  </a:schemeClr>
+                </a:solidFill>
+                <a:latin typeface="Alibaba Sans Black" panose="020B0A03020203040204" pitchFamily="34" charset="0"/>
+                <a:cs typeface="Alibaba Sans Black" panose="020B0A03020203040204" pitchFamily="34" charset="0"/>
+              </a:rPr>
+              <a:t>TOPICS</a:t>
+            </a:r>
+            <a:endParaRPr lang="zh-CN" altLang="en-US" sz="1400" dirty="0">
+              <a:solidFill>
+                <a:schemeClr val="bg1">
+                  <a:lumMod val="50000"/>
+                </a:schemeClr>
+              </a:solidFill>
+              <a:latin typeface="Alibaba Sans Light" panose="020B0303020203040204" pitchFamily="34" charset="0"/>
+              <a:cs typeface="Alibaba Sans Light" panose="020B0303020203040204" pitchFamily="34" charset="0"/>
+            </a:endParaRPr>
+          </a:p>
+        </p:txBody>
+      </p:sp>
+      <p:sp>
+        <p:nvSpPr>
+          <p:cNvPr id="10" name="文本框 9">
+            <a:extLst>
+              <a:ext uri="{FF2B5EF4-FFF2-40B4-BE49-F238E27FC236}">
+                <a16:creationId xmlns:a16="http://schemas.microsoft.com/office/drawing/2014/main" id="{F6F8A165-A313-4DF2-B11D-CE14CAEB1CDC}"/>
+              </a:ext>
+            </a:extLst>
+          </p:cNvPr>
+          <p:cNvSpPr txBox="1"/>
+          <p:nvPr/>
+        </p:nvSpPr>
+        <p:spPr>
+          <a:xfrm>
+            <a:off x="10201013" y="3465766"/>
+            <a:ext cx="1353452" cy="523220"/>
+          </a:xfrm>
+          <a:prstGeom prst="rect">
+            <a:avLst/>
+          </a:prstGeom>
+          <a:noFill/>
+        </p:spPr>
+        <p:txBody>
+          <a:bodyPr wrap="square" rtlCol="0">
+            <a:spAutoFit/>
+          </a:bodyPr>
+          <a:lstStyle/>
+          <a:p>
+            <a:r>
+              <a:rPr lang="en-US" altLang="zh-CN" sz="2800" dirty="0">
+                <a:solidFill>
+                  <a:schemeClr val="bg1">
+                    <a:lumMod val="50000"/>
+                  </a:schemeClr>
+                </a:solidFill>
+                <a:latin typeface="Alibaba Sans Black" panose="020B0A03020203040204" pitchFamily="34" charset="0"/>
+                <a:cs typeface="Alibaba Sans Black" panose="020B0A03020203040204" pitchFamily="34" charset="0"/>
+              </a:rPr>
+              <a:t>Q&amp;A</a:t>
+            </a:r>
+            <a:endParaRPr lang="zh-CN" altLang="en-US" sz="1400" dirty="0">
+              <a:solidFill>
+                <a:schemeClr val="bg1">
+                  <a:lumMod val="50000"/>
+                </a:schemeClr>
+              </a:solidFill>
+              <a:latin typeface="Alibaba Sans Light" panose="020B0303020203040204" pitchFamily="34" charset="0"/>
+              <a:cs typeface="Alibaba Sans Light" panose="020B0303020203040204" pitchFamily="34" charset="0"/>
+            </a:endParaRPr>
+          </a:p>
+        </p:txBody>
+      </p:sp>
     </p:spTree>
     <p:extLst>
       <p:ext uri="{BB962C8B-B14F-4D97-AF65-F5344CB8AC3E}">
@@ -3448,7 +3651,7 @@
           <p:cNvPr id="4" name="文本框 3">
             <a:extLst>
               <a:ext uri="{FF2B5EF4-FFF2-40B4-BE49-F238E27FC236}">
-                <a16:creationId xmlns:a16="http://schemas.microsoft.com/office/drawing/2014/main" id="{21CDF921-4702-4818-A137-43908187E083}"/>
+                <a16:creationId xmlns:a16="http://schemas.microsoft.com/office/drawing/2014/main" id="{874EF44D-3D68-49FA-99B7-E295B15C80C0}"/>
               </a:ext>
             </a:extLst>
           </p:cNvPr>
@@ -3457,7 +3660,133 @@
         </p:nvSpPr>
         <p:spPr>
           <a:xfrm>
-            <a:off x="1443089" y="378684"/>
+            <a:off x="1470211" y="2413337"/>
+            <a:ext cx="9251577" cy="1015663"/>
+          </a:xfrm>
+          <a:prstGeom prst="rect">
+            <a:avLst/>
+          </a:prstGeom>
+          <a:noFill/>
+        </p:spPr>
+        <p:txBody>
+          <a:bodyPr wrap="square" rtlCol="0">
+            <a:spAutoFit/>
+          </a:bodyPr>
+          <a:lstStyle/>
+          <a:p>
+            <a:r>
+              <a:rPr lang="en-US" altLang="zh-CN" sz="2400" b="1" dirty="0">
+                <a:latin typeface="Alibaba Sans Black" panose="020B0A03020203040204" pitchFamily="34" charset="0"/>
+                <a:cs typeface="Alibaba Sans Black" panose="020B0A03020203040204" pitchFamily="34" charset="0"/>
+              </a:rPr>
+              <a:t>[0001] Blender</a:t>
+            </a:r>
+            <a:r>
+              <a:rPr lang="zh-CN" altLang="en-US" sz="2400" b="1" dirty="0">
+                <a:latin typeface="Alibaba Sans Black" panose="020B0A03020203040204" pitchFamily="34" charset="0"/>
+                <a:cs typeface="Alibaba Sans Black" panose="020B0A03020203040204" pitchFamily="34" charset="0"/>
+              </a:rPr>
+              <a:t>导入</a:t>
+            </a:r>
+            <a:r>
+              <a:rPr lang="en-US" altLang="zh-CN" sz="2400" b="1" dirty="0" err="1">
+                <a:latin typeface="Alibaba Sans Black" panose="020B0A03020203040204" pitchFamily="34" charset="0"/>
+                <a:cs typeface="Alibaba Sans Black" panose="020B0A03020203040204" pitchFamily="34" charset="0"/>
+              </a:rPr>
+              <a:t>fbx</a:t>
+            </a:r>
+            <a:r>
+              <a:rPr lang="zh-CN" altLang="en-US" sz="2400" b="1" dirty="0">
+                <a:latin typeface="Alibaba Sans Black" panose="020B0A03020203040204" pitchFamily="34" charset="0"/>
+                <a:cs typeface="Alibaba Sans Black" panose="020B0A03020203040204" pitchFamily="34" charset="0"/>
+              </a:rPr>
+              <a:t>文件并完成渲染</a:t>
+            </a:r>
+            <a:endParaRPr lang="en-US" altLang="zh-CN" b="1" dirty="0">
+              <a:latin typeface="Alibaba Sans Black" panose="020B0A03020203040204" pitchFamily="34" charset="0"/>
+              <a:cs typeface="Alibaba Sans Black" panose="020B0A03020203040204" pitchFamily="34" charset="0"/>
+            </a:endParaRPr>
+          </a:p>
+          <a:p>
+            <a:endParaRPr lang="en-US" altLang="zh-CN" dirty="0">
+              <a:latin typeface="Alibaba Sans Black" panose="020B0A03020203040204" pitchFamily="34" charset="0"/>
+              <a:cs typeface="Alibaba Sans Black" panose="020B0A03020203040204" pitchFamily="34" charset="0"/>
+            </a:endParaRPr>
+          </a:p>
+          <a:p>
+            <a:r>
+              <a:rPr lang="en-US" altLang="zh-CN" dirty="0">
+                <a:latin typeface="Alibaba Sans Light" panose="020B0303020203040204" pitchFamily="34" charset="0"/>
+                <a:cs typeface="Alibaba Sans Light" panose="020B0303020203040204" pitchFamily="34" charset="0"/>
+              </a:rPr>
+              <a:t>Import </a:t>
+            </a:r>
+            <a:r>
+              <a:rPr lang="en-US" altLang="zh-CN" dirty="0" err="1">
+                <a:latin typeface="Alibaba Sans Light" panose="020B0303020203040204" pitchFamily="34" charset="0"/>
+                <a:cs typeface="Alibaba Sans Light" panose="020B0303020203040204" pitchFamily="34" charset="0"/>
+              </a:rPr>
+              <a:t>fbx</a:t>
+            </a:r>
+            <a:r>
+              <a:rPr lang="en-US" altLang="zh-CN" dirty="0">
+                <a:latin typeface="Alibaba Sans Light" panose="020B0303020203040204" pitchFamily="34" charset="0"/>
+                <a:cs typeface="Alibaba Sans Light" panose="020B0303020203040204" pitchFamily="34" charset="0"/>
+              </a:rPr>
+              <a:t> files in Blender and rendering out</a:t>
+            </a:r>
+            <a:endParaRPr lang="zh-CN" altLang="en-US" dirty="0">
+              <a:latin typeface="Alibaba Sans Light" panose="020B0303020203040204" pitchFamily="34" charset="0"/>
+              <a:cs typeface="Alibaba Sans Light" panose="020B0303020203040204" pitchFamily="34" charset="0"/>
+            </a:endParaRPr>
+          </a:p>
+        </p:txBody>
+      </p:sp>
+    </p:spTree>
+    <p:extLst>
+      <p:ext uri="{BB962C8B-B14F-4D97-AF65-F5344CB8AC3E}">
+        <p14:creationId xmlns:p14="http://schemas.microsoft.com/office/powerpoint/2010/main" val="1809289179"/>
+      </p:ext>
+    </p:extLst>
+  </p:cSld>
+  <p:clrMapOvr>
+    <a:masterClrMapping/>
+  </p:clrMapOvr>
+</p:sld>
+</file>
+
+<file path=ppt/slides/slide3.xml><?xml version="1.0" encoding="utf-8"?>
+<p:sld xmlns:a="http://schemas.openxmlformats.org/drawingml/2006/main" xmlns:r="http://schemas.openxmlformats.org/officeDocument/2006/relationships" xmlns:p="http://schemas.openxmlformats.org/presentationml/2006/main">
+  <p:cSld>
+    <p:spTree>
+      <p:nvGrpSpPr>
+        <p:cNvPr id="1" name=""/>
+        <p:cNvGrpSpPr/>
+        <p:nvPr/>
+      </p:nvGrpSpPr>
+      <p:grpSpPr>
+        <a:xfrm>
+          <a:off x="0" y="0"/>
+          <a:ext cx="0" cy="0"/>
+          <a:chOff x="0" y="0"/>
+          <a:chExt cx="0" cy="0"/>
+        </a:xfrm>
+      </p:grpSpPr>
+      <p:sp>
+        <p:nvSpPr>
+          <p:cNvPr id="4" name="文本框 3">
+            <a:extLst>
+              <a:ext uri="{FF2B5EF4-FFF2-40B4-BE49-F238E27FC236}">
+                <a16:creationId xmlns:a16="http://schemas.microsoft.com/office/drawing/2014/main" id="{21CDF921-4702-4818-A137-43908187E083}"/>
+              </a:ext>
+            </a:extLst>
+          </p:cNvPr>
+          <p:cNvSpPr txBox="1"/>
+          <p:nvPr/>
+        </p:nvSpPr>
+        <p:spPr>
+          <a:xfrm>
+            <a:off x="1443089" y="672299"/>
             <a:ext cx="9251577" cy="1015663"/>
           </a:xfrm>
           <a:prstGeom prst="rect">
@@ -3802,7 +4131,7 @@
 </p:sld>
 </file>
 
-<file path=ppt/slides/slide3.xml><?xml version="1.0" encoding="utf-8"?>
+<file path=ppt/slides/slide4.xml><?xml version="1.0" encoding="utf-8"?>
 <p:sld xmlns:a="http://schemas.openxmlformats.org/drawingml/2006/main" xmlns:r="http://schemas.openxmlformats.org/officeDocument/2006/relationships" xmlns:p="http://schemas.openxmlformats.org/presentationml/2006/main">
   <p:cSld>
     <p:spTree>
